--- a/Lectures/Wk1/Friday/PASS_Slides_Sem1-2019.pptx
+++ b/Lectures/Wk1/Friday/PASS_Slides_Sem1-2019.pptx
@@ -167,7 +167,7 @@
           </a:lstStyle>
           <a:p>
             <a:r>
-              <a:rPr lang="en-US" smtClean="0"/>
+              <a:rPr lang="en-US"/>
               <a:t>Click to edit Master title style</a:t>
             </a:r>
             <a:endParaRPr lang="en-US" dirty="0"/>
@@ -232,7 +232,7 @@
           </a:lstStyle>
           <a:p>
             <a:r>
-              <a:rPr lang="en-US" smtClean="0"/>
+              <a:rPr lang="en-US"/>
               <a:t>Click to edit Master subtitle style</a:t>
             </a:r>
             <a:endParaRPr lang="en-US" dirty="0"/>
@@ -256,7 +256,7 @@
           <a:p>
             <a:fld id="{F090DD7B-F8E9-4277-8C06-C50F3141EE5A}" type="datetimeFigureOut">
               <a:rPr lang="en-AU" smtClean="0"/>
-              <a:t>6/02/2019</a:t>
+              <a:t>18/02/2019</a:t>
             </a:fld>
             <a:endParaRPr lang="en-AU"/>
           </a:p>
@@ -350,7 +350,7 @@
           <a:lstStyle/>
           <a:p>
             <a:r>
-              <a:rPr lang="en-US" smtClean="0"/>
+              <a:rPr lang="en-US"/>
               <a:t>Click to edit Master title style</a:t>
             </a:r>
             <a:endParaRPr lang="en-US" dirty="0"/>
@@ -374,35 +374,35 @@
           <a:p>
             <a:pPr lvl="0"/>
             <a:r>
-              <a:rPr lang="en-US" smtClean="0"/>
+              <a:rPr lang="en-US"/>
               <a:t>Click to edit Master text styles</a:t>
             </a:r>
           </a:p>
           <a:p>
             <a:pPr lvl="1"/>
             <a:r>
-              <a:rPr lang="en-US" smtClean="0"/>
+              <a:rPr lang="en-US"/>
               <a:t>Second level</a:t>
             </a:r>
           </a:p>
           <a:p>
             <a:pPr lvl="2"/>
             <a:r>
-              <a:rPr lang="en-US" smtClean="0"/>
+              <a:rPr lang="en-US"/>
               <a:t>Third level</a:t>
             </a:r>
           </a:p>
           <a:p>
             <a:pPr lvl="3"/>
             <a:r>
-              <a:rPr lang="en-US" smtClean="0"/>
+              <a:rPr lang="en-US"/>
               <a:t>Fourth level</a:t>
             </a:r>
           </a:p>
           <a:p>
             <a:pPr lvl="4"/>
             <a:r>
-              <a:rPr lang="en-US" smtClean="0"/>
+              <a:rPr lang="en-US"/>
               <a:t>Fifth level</a:t>
             </a:r>
             <a:endParaRPr lang="en-US" dirty="0"/>
@@ -426,7 +426,7 @@
           <a:p>
             <a:fld id="{F090DD7B-F8E9-4277-8C06-C50F3141EE5A}" type="datetimeFigureOut">
               <a:rPr lang="en-AU" smtClean="0"/>
-              <a:t>6/02/2019</a:t>
+              <a:t>18/02/2019</a:t>
             </a:fld>
             <a:endParaRPr lang="en-AU"/>
           </a:p>
@@ -525,7 +525,7 @@
           <a:lstStyle/>
           <a:p>
             <a:r>
-              <a:rPr lang="en-US" smtClean="0"/>
+              <a:rPr lang="en-US"/>
               <a:t>Click to edit Master title style</a:t>
             </a:r>
             <a:endParaRPr lang="en-US" dirty="0"/>
@@ -554,35 +554,35 @@
           <a:p>
             <a:pPr lvl="0"/>
             <a:r>
-              <a:rPr lang="en-US" smtClean="0"/>
+              <a:rPr lang="en-US"/>
               <a:t>Click to edit Master text styles</a:t>
             </a:r>
           </a:p>
           <a:p>
             <a:pPr lvl="1"/>
             <a:r>
-              <a:rPr lang="en-US" smtClean="0"/>
+              <a:rPr lang="en-US"/>
               <a:t>Second level</a:t>
             </a:r>
           </a:p>
           <a:p>
             <a:pPr lvl="2"/>
             <a:r>
-              <a:rPr lang="en-US" smtClean="0"/>
+              <a:rPr lang="en-US"/>
               <a:t>Third level</a:t>
             </a:r>
           </a:p>
           <a:p>
             <a:pPr lvl="3"/>
             <a:r>
-              <a:rPr lang="en-US" smtClean="0"/>
+              <a:rPr lang="en-US"/>
               <a:t>Fourth level</a:t>
             </a:r>
           </a:p>
           <a:p>
             <a:pPr lvl="4"/>
             <a:r>
-              <a:rPr lang="en-US" smtClean="0"/>
+              <a:rPr lang="en-US"/>
               <a:t>Fifth level</a:t>
             </a:r>
             <a:endParaRPr lang="en-US" dirty="0"/>
@@ -606,7 +606,7 @@
           <a:p>
             <a:fld id="{F090DD7B-F8E9-4277-8C06-C50F3141EE5A}" type="datetimeFigureOut">
               <a:rPr lang="en-AU" smtClean="0"/>
-              <a:t>6/02/2019</a:t>
+              <a:t>18/02/2019</a:t>
             </a:fld>
             <a:endParaRPr lang="en-AU"/>
           </a:p>
@@ -700,7 +700,7 @@
           <a:lstStyle/>
           <a:p>
             <a:r>
-              <a:rPr lang="en-US" smtClean="0"/>
+              <a:rPr lang="en-US"/>
               <a:t>Click to edit Master title style</a:t>
             </a:r>
             <a:endParaRPr lang="en-US" dirty="0"/>
@@ -724,35 +724,35 @@
           <a:p>
             <a:pPr lvl="0"/>
             <a:r>
-              <a:rPr lang="en-US" smtClean="0"/>
+              <a:rPr lang="en-US"/>
               <a:t>Click to edit Master text styles</a:t>
             </a:r>
           </a:p>
           <a:p>
             <a:pPr lvl="1"/>
             <a:r>
-              <a:rPr lang="en-US" smtClean="0"/>
+              <a:rPr lang="en-US"/>
               <a:t>Second level</a:t>
             </a:r>
           </a:p>
           <a:p>
             <a:pPr lvl="2"/>
             <a:r>
-              <a:rPr lang="en-US" smtClean="0"/>
+              <a:rPr lang="en-US"/>
               <a:t>Third level</a:t>
             </a:r>
           </a:p>
           <a:p>
             <a:pPr lvl="3"/>
             <a:r>
-              <a:rPr lang="en-US" smtClean="0"/>
+              <a:rPr lang="en-US"/>
               <a:t>Fourth level</a:t>
             </a:r>
           </a:p>
           <a:p>
             <a:pPr lvl="4"/>
             <a:r>
-              <a:rPr lang="en-US" smtClean="0"/>
+              <a:rPr lang="en-US"/>
               <a:t>Fifth level</a:t>
             </a:r>
             <a:endParaRPr lang="en-US" dirty="0"/>
@@ -776,7 +776,7 @@
           <a:p>
             <a:fld id="{F090DD7B-F8E9-4277-8C06-C50F3141EE5A}" type="datetimeFigureOut">
               <a:rPr lang="en-AU" smtClean="0"/>
-              <a:t>6/02/2019</a:t>
+              <a:t>18/02/2019</a:t>
             </a:fld>
             <a:endParaRPr lang="en-AU"/>
           </a:p>
@@ -879,7 +879,7 @@
           </a:lstStyle>
           <a:p>
             <a:r>
-              <a:rPr lang="en-US" smtClean="0"/>
+              <a:rPr lang="en-US"/>
               <a:t>Click to edit Master title style</a:t>
             </a:r>
             <a:endParaRPr lang="en-US" dirty="0"/>
@@ -997,7 +997,7 @@
           <a:p>
             <a:pPr lvl="0"/>
             <a:r>
-              <a:rPr lang="en-US" smtClean="0"/>
+              <a:rPr lang="en-US"/>
               <a:t>Click to edit Master text styles</a:t>
             </a:r>
           </a:p>
@@ -1020,7 +1020,7 @@
           <a:p>
             <a:fld id="{F090DD7B-F8E9-4277-8C06-C50F3141EE5A}" type="datetimeFigureOut">
               <a:rPr lang="en-AU" smtClean="0"/>
-              <a:t>6/02/2019</a:t>
+              <a:t>18/02/2019</a:t>
             </a:fld>
             <a:endParaRPr lang="en-AU"/>
           </a:p>
@@ -1114,7 +1114,7 @@
           <a:lstStyle/>
           <a:p>
             <a:r>
-              <a:rPr lang="en-US" smtClean="0"/>
+              <a:rPr lang="en-US"/>
               <a:t>Click to edit Master title style</a:t>
             </a:r>
             <a:endParaRPr lang="en-US" dirty="0"/>
@@ -1143,35 +1143,35 @@
           <a:p>
             <a:pPr lvl="0"/>
             <a:r>
-              <a:rPr lang="en-US" smtClean="0"/>
+              <a:rPr lang="en-US"/>
               <a:t>Click to edit Master text styles</a:t>
             </a:r>
           </a:p>
           <a:p>
             <a:pPr lvl="1"/>
             <a:r>
-              <a:rPr lang="en-US" smtClean="0"/>
+              <a:rPr lang="en-US"/>
               <a:t>Second level</a:t>
             </a:r>
           </a:p>
           <a:p>
             <a:pPr lvl="2"/>
             <a:r>
-              <a:rPr lang="en-US" smtClean="0"/>
+              <a:rPr lang="en-US"/>
               <a:t>Third level</a:t>
             </a:r>
           </a:p>
           <a:p>
             <a:pPr lvl="3"/>
             <a:r>
-              <a:rPr lang="en-US" smtClean="0"/>
+              <a:rPr lang="en-US"/>
               <a:t>Fourth level</a:t>
             </a:r>
           </a:p>
           <a:p>
             <a:pPr lvl="4"/>
             <a:r>
-              <a:rPr lang="en-US" smtClean="0"/>
+              <a:rPr lang="en-US"/>
               <a:t>Fifth level</a:t>
             </a:r>
             <a:endParaRPr lang="en-US" dirty="0"/>
@@ -1200,35 +1200,35 @@
           <a:p>
             <a:pPr lvl="0"/>
             <a:r>
-              <a:rPr lang="en-US" smtClean="0"/>
+              <a:rPr lang="en-US"/>
               <a:t>Click to edit Master text styles</a:t>
             </a:r>
           </a:p>
           <a:p>
             <a:pPr lvl="1"/>
             <a:r>
-              <a:rPr lang="en-US" smtClean="0"/>
+              <a:rPr lang="en-US"/>
               <a:t>Second level</a:t>
             </a:r>
           </a:p>
           <a:p>
             <a:pPr lvl="2"/>
             <a:r>
-              <a:rPr lang="en-US" smtClean="0"/>
+              <a:rPr lang="en-US"/>
               <a:t>Third level</a:t>
             </a:r>
           </a:p>
           <a:p>
             <a:pPr lvl="3"/>
             <a:r>
-              <a:rPr lang="en-US" smtClean="0"/>
+              <a:rPr lang="en-US"/>
               <a:t>Fourth level</a:t>
             </a:r>
           </a:p>
           <a:p>
             <a:pPr lvl="4"/>
             <a:r>
-              <a:rPr lang="en-US" smtClean="0"/>
+              <a:rPr lang="en-US"/>
               <a:t>Fifth level</a:t>
             </a:r>
             <a:endParaRPr lang="en-US" dirty="0"/>
@@ -1252,7 +1252,7 @@
           <a:p>
             <a:fld id="{F090DD7B-F8E9-4277-8C06-C50F3141EE5A}" type="datetimeFigureOut">
               <a:rPr lang="en-AU" smtClean="0"/>
-              <a:t>6/02/2019</a:t>
+              <a:t>18/02/2019</a:t>
             </a:fld>
             <a:endParaRPr lang="en-AU"/>
           </a:p>
@@ -1351,7 +1351,7 @@
           <a:lstStyle/>
           <a:p>
             <a:r>
-              <a:rPr lang="en-US" smtClean="0"/>
+              <a:rPr lang="en-US"/>
               <a:t>Click to edit Master title style</a:t>
             </a:r>
             <a:endParaRPr lang="en-US" dirty="0"/>
@@ -1417,7 +1417,7 @@
           <a:p>
             <a:pPr lvl="0"/>
             <a:r>
-              <a:rPr lang="en-US" smtClean="0"/>
+              <a:rPr lang="en-US"/>
               <a:t>Click to edit Master text styles</a:t>
             </a:r>
           </a:p>
@@ -1445,35 +1445,35 @@
           <a:p>
             <a:pPr lvl="0"/>
             <a:r>
-              <a:rPr lang="en-US" smtClean="0"/>
+              <a:rPr lang="en-US"/>
               <a:t>Click to edit Master text styles</a:t>
             </a:r>
           </a:p>
           <a:p>
             <a:pPr lvl="1"/>
             <a:r>
-              <a:rPr lang="en-US" smtClean="0"/>
+              <a:rPr lang="en-US"/>
               <a:t>Second level</a:t>
             </a:r>
           </a:p>
           <a:p>
             <a:pPr lvl="2"/>
             <a:r>
-              <a:rPr lang="en-US" smtClean="0"/>
+              <a:rPr lang="en-US"/>
               <a:t>Third level</a:t>
             </a:r>
           </a:p>
           <a:p>
             <a:pPr lvl="3"/>
             <a:r>
-              <a:rPr lang="en-US" smtClean="0"/>
+              <a:rPr lang="en-US"/>
               <a:t>Fourth level</a:t>
             </a:r>
           </a:p>
           <a:p>
             <a:pPr lvl="4"/>
             <a:r>
-              <a:rPr lang="en-US" smtClean="0"/>
+              <a:rPr lang="en-US"/>
               <a:t>Fifth level</a:t>
             </a:r>
             <a:endParaRPr lang="en-US" dirty="0"/>
@@ -1539,7 +1539,7 @@
           <a:p>
             <a:pPr lvl="0"/>
             <a:r>
-              <a:rPr lang="en-US" smtClean="0"/>
+              <a:rPr lang="en-US"/>
               <a:t>Click to edit Master text styles</a:t>
             </a:r>
           </a:p>
@@ -1567,35 +1567,35 @@
           <a:p>
             <a:pPr lvl="0"/>
             <a:r>
-              <a:rPr lang="en-US" smtClean="0"/>
+              <a:rPr lang="en-US"/>
               <a:t>Click to edit Master text styles</a:t>
             </a:r>
           </a:p>
           <a:p>
             <a:pPr lvl="1"/>
             <a:r>
-              <a:rPr lang="en-US" smtClean="0"/>
+              <a:rPr lang="en-US"/>
               <a:t>Second level</a:t>
             </a:r>
           </a:p>
           <a:p>
             <a:pPr lvl="2"/>
             <a:r>
-              <a:rPr lang="en-US" smtClean="0"/>
+              <a:rPr lang="en-US"/>
               <a:t>Third level</a:t>
             </a:r>
           </a:p>
           <a:p>
             <a:pPr lvl="3"/>
             <a:r>
-              <a:rPr lang="en-US" smtClean="0"/>
+              <a:rPr lang="en-US"/>
               <a:t>Fourth level</a:t>
             </a:r>
           </a:p>
           <a:p>
             <a:pPr lvl="4"/>
             <a:r>
-              <a:rPr lang="en-US" smtClean="0"/>
+              <a:rPr lang="en-US"/>
               <a:t>Fifth level</a:t>
             </a:r>
             <a:endParaRPr lang="en-US" dirty="0"/>
@@ -1619,7 +1619,7 @@
           <a:p>
             <a:fld id="{F090DD7B-F8E9-4277-8C06-C50F3141EE5A}" type="datetimeFigureOut">
               <a:rPr lang="en-AU" smtClean="0"/>
-              <a:t>6/02/2019</a:t>
+              <a:t>18/02/2019</a:t>
             </a:fld>
             <a:endParaRPr lang="en-AU"/>
           </a:p>
@@ -1713,7 +1713,7 @@
           <a:lstStyle/>
           <a:p>
             <a:r>
-              <a:rPr lang="en-US" smtClean="0"/>
+              <a:rPr lang="en-US"/>
               <a:t>Click to edit Master title style</a:t>
             </a:r>
             <a:endParaRPr lang="en-US" dirty="0"/>
@@ -1737,7 +1737,7 @@
           <a:p>
             <a:fld id="{F090DD7B-F8E9-4277-8C06-C50F3141EE5A}" type="datetimeFigureOut">
               <a:rPr lang="en-AU" smtClean="0"/>
-              <a:t>6/02/2019</a:t>
+              <a:t>18/02/2019</a:t>
             </a:fld>
             <a:endParaRPr lang="en-AU"/>
           </a:p>
@@ -1832,7 +1832,7 @@
           <a:p>
             <a:fld id="{F090DD7B-F8E9-4277-8C06-C50F3141EE5A}" type="datetimeFigureOut">
               <a:rPr lang="en-AU" smtClean="0"/>
-              <a:t>6/02/2019</a:t>
+              <a:t>18/02/2019</a:t>
             </a:fld>
             <a:endParaRPr lang="en-AU"/>
           </a:p>
@@ -1935,7 +1935,7 @@
           </a:lstStyle>
           <a:p>
             <a:r>
-              <a:rPr lang="en-US" smtClean="0"/>
+              <a:rPr lang="en-US"/>
               <a:t>Click to edit Master title style</a:t>
             </a:r>
             <a:endParaRPr lang="en-US" dirty="0"/>
@@ -1992,35 +1992,35 @@
           <a:p>
             <a:pPr lvl="0"/>
             <a:r>
-              <a:rPr lang="en-US" smtClean="0"/>
+              <a:rPr lang="en-US"/>
               <a:t>Click to edit Master text styles</a:t>
             </a:r>
           </a:p>
           <a:p>
             <a:pPr lvl="1"/>
             <a:r>
-              <a:rPr lang="en-US" smtClean="0"/>
+              <a:rPr lang="en-US"/>
               <a:t>Second level</a:t>
             </a:r>
           </a:p>
           <a:p>
             <a:pPr lvl="2"/>
             <a:r>
-              <a:rPr lang="en-US" smtClean="0"/>
+              <a:rPr lang="en-US"/>
               <a:t>Third level</a:t>
             </a:r>
           </a:p>
           <a:p>
             <a:pPr lvl="3"/>
             <a:r>
-              <a:rPr lang="en-US" smtClean="0"/>
+              <a:rPr lang="en-US"/>
               <a:t>Fourth level</a:t>
             </a:r>
           </a:p>
           <a:p>
             <a:pPr lvl="4"/>
             <a:r>
-              <a:rPr lang="en-US" smtClean="0"/>
+              <a:rPr lang="en-US"/>
               <a:t>Fifth level</a:t>
             </a:r>
             <a:endParaRPr lang="en-US" dirty="0"/>
@@ -2086,7 +2086,7 @@
           <a:p>
             <a:pPr lvl="0"/>
             <a:r>
-              <a:rPr lang="en-US" smtClean="0"/>
+              <a:rPr lang="en-US"/>
               <a:t>Click to edit Master text styles</a:t>
             </a:r>
           </a:p>
@@ -2109,7 +2109,7 @@
           <a:p>
             <a:fld id="{F090DD7B-F8E9-4277-8C06-C50F3141EE5A}" type="datetimeFigureOut">
               <a:rPr lang="en-AU" smtClean="0"/>
-              <a:t>6/02/2019</a:t>
+              <a:t>18/02/2019</a:t>
             </a:fld>
             <a:endParaRPr lang="en-AU"/>
           </a:p>
@@ -2212,7 +2212,7 @@
           </a:lstStyle>
           <a:p>
             <a:r>
-              <a:rPr lang="en-US" smtClean="0"/>
+              <a:rPr lang="en-US"/>
               <a:t>Click to edit Master title style</a:t>
             </a:r>
             <a:endParaRPr lang="en-US" dirty="0"/>
@@ -2277,7 +2277,7 @@
           </a:lstStyle>
           <a:p>
             <a:r>
-              <a:rPr lang="en-US" smtClean="0"/>
+              <a:rPr lang="en-US"/>
               <a:t>Click icon to add picture</a:t>
             </a:r>
             <a:endParaRPr lang="en-US" dirty="0"/>
@@ -2343,7 +2343,7 @@
           <a:p>
             <a:pPr lvl="0"/>
             <a:r>
-              <a:rPr lang="en-US" smtClean="0"/>
+              <a:rPr lang="en-US"/>
               <a:t>Click to edit Master text styles</a:t>
             </a:r>
           </a:p>
@@ -2366,7 +2366,7 @@
           <a:p>
             <a:fld id="{F090DD7B-F8E9-4277-8C06-C50F3141EE5A}" type="datetimeFigureOut">
               <a:rPr lang="en-AU" smtClean="0"/>
-              <a:t>6/02/2019</a:t>
+              <a:t>18/02/2019</a:t>
             </a:fld>
             <a:endParaRPr lang="en-AU"/>
           </a:p>
@@ -2475,7 +2475,7 @@
           <a:lstStyle/>
           <a:p>
             <a:r>
-              <a:rPr lang="en-US" smtClean="0"/>
+              <a:rPr lang="en-US"/>
               <a:t>Click to edit Master title style</a:t>
             </a:r>
             <a:endParaRPr lang="en-US" dirty="0"/>
@@ -2509,35 +2509,35 @@
           <a:p>
             <a:pPr lvl="0"/>
             <a:r>
-              <a:rPr lang="en-US" smtClean="0"/>
+              <a:rPr lang="en-US"/>
               <a:t>Click to edit Master text styles</a:t>
             </a:r>
           </a:p>
           <a:p>
             <a:pPr lvl="1"/>
             <a:r>
-              <a:rPr lang="en-US" smtClean="0"/>
+              <a:rPr lang="en-US"/>
               <a:t>Second level</a:t>
             </a:r>
           </a:p>
           <a:p>
             <a:pPr lvl="2"/>
             <a:r>
-              <a:rPr lang="en-US" smtClean="0"/>
+              <a:rPr lang="en-US"/>
               <a:t>Third level</a:t>
             </a:r>
           </a:p>
           <a:p>
             <a:pPr lvl="3"/>
             <a:r>
-              <a:rPr lang="en-US" smtClean="0"/>
+              <a:rPr lang="en-US"/>
               <a:t>Fourth level</a:t>
             </a:r>
           </a:p>
           <a:p>
             <a:pPr lvl="4"/>
             <a:r>
-              <a:rPr lang="en-US" smtClean="0"/>
+              <a:rPr lang="en-US"/>
               <a:t>Fifth level</a:t>
             </a:r>
             <a:endParaRPr lang="en-US" dirty="0"/>
@@ -2579,7 +2579,7 @@
           <a:p>
             <a:fld id="{F090DD7B-F8E9-4277-8C06-C50F3141EE5A}" type="datetimeFigureOut">
               <a:rPr lang="en-AU" smtClean="0"/>
-              <a:t>6/02/2019</a:t>
+              <a:t>18/02/2019</a:t>
             </a:fld>
             <a:endParaRPr lang="en-AU"/>
           </a:p>
@@ -3054,13 +3054,6 @@
   <p:clrMapOvr>
     <a:masterClrMapping/>
   </p:clrMapOvr>
-  <p:timing>
-    <p:tnLst>
-      <p:par>
-        <p:cTn id="1" dur="indefinite" restart="never" nodeType="tmRoot"/>
-      </p:par>
-    </p:tnLst>
-  </p:timing>
 </p:sld>
 </file>
 
@@ -3142,14 +3135,14 @@
           <p:nvPr>
             <p:extLst>
               <p:ext uri="{D42A27DB-BD31-4B8C-83A1-F6EECF244321}">
-                <p14:modId xmlns:p14="http://schemas.microsoft.com/office/powerpoint/2010/main" val="987483551"/>
+                <p14:modId xmlns:p14="http://schemas.microsoft.com/office/powerpoint/2010/main" val="2855771379"/>
               </p:ext>
             </p:extLst>
           </p:nvPr>
         </p:nvGraphicFramePr>
         <p:xfrm>
-          <a:off x="745523" y="2969652"/>
-          <a:ext cx="7652952" cy="1642765"/>
+          <a:off x="736798" y="2559568"/>
+          <a:ext cx="7652949" cy="1936991"/>
         </p:xfrm>
         <a:graphic>
           <a:graphicData uri="http://schemas.openxmlformats.org/drawingml/2006/table">
@@ -3158,21 +3151,21 @@
                 <a:tableStyleId>{5C22544A-7EE6-4342-B048-85BDC9FD1C3A}</a:tableStyleId>
               </a:tblPr>
               <a:tblGrid>
-                <a:gridCol w="2550984">
+                <a:gridCol w="2550983">
                   <a:extLst>
                     <a:ext uri="{9D8B030D-6E8A-4147-A177-3AD203B41FA5}">
                       <a16:colId xmlns:a16="http://schemas.microsoft.com/office/drawing/2014/main" val="20000"/>
                     </a:ext>
                   </a:extLst>
                 </a:gridCol>
-                <a:gridCol w="2550984">
+                <a:gridCol w="2550983">
                   <a:extLst>
                     <a:ext uri="{9D8B030D-6E8A-4147-A177-3AD203B41FA5}">
                       <a16:colId xmlns:a16="http://schemas.microsoft.com/office/drawing/2014/main" val="20001"/>
                     </a:ext>
                   </a:extLst>
                 </a:gridCol>
-                <a:gridCol w="2550984">
+                <a:gridCol w="2550983">
                   <a:extLst>
                     <a:ext uri="{9D8B030D-6E8A-4147-A177-3AD203B41FA5}">
                       <a16:colId xmlns:a16="http://schemas.microsoft.com/office/drawing/2014/main" val="20002"/>
@@ -3180,21 +3173,23 @@
                   </a:extLst>
                 </a:gridCol>
               </a:tblGrid>
-              <a:tr h="838659">
+              <a:tr h="671839">
                 <a:tc>
                   <a:txBody>
                     <a:bodyPr/>
                     <a:lstStyle/>
                     <a:p>
-                      <a:pPr algn="ctr"/>
+                      <a:pPr lvl="0" algn="ctr">
+                        <a:buNone/>
+                      </a:pPr>
                       <a:r>
-                        <a:rPr lang="en-AU" dirty="0" smtClean="0">
+                        <a:rPr lang="en-AU" dirty="0">
                           <a:solidFill>
                             <a:schemeClr val="bg1"/>
                           </a:solidFill>
-                          <a:latin typeface="Arial Black" panose="020B0A04020102020204" pitchFamily="34" charset="0"/>
+                          <a:latin typeface="Arial Black"/>
                         </a:rPr>
-                        <a:t>MONDAY</a:t>
+                        <a:t>Monday</a:t>
                       </a:r>
                       <a:endParaRPr lang="en-AU" dirty="0">
                         <a:solidFill>
@@ -3218,31 +3213,19 @@
                     <a:bodyPr/>
                     <a:lstStyle/>
                     <a:p>
-                      <a:pPr algn="ctr"/>
+                      <a:pPr lvl="0" algn="ctr">
+                        <a:buNone/>
+                      </a:pPr>
                       <a:r>
-                        <a:rPr lang="en-AU" dirty="0" smtClean="0">
+                        <a:rPr lang="en-AU" dirty="0">
                           <a:solidFill>
                             <a:schemeClr val="bg1"/>
                           </a:solidFill>
-                          <a:latin typeface="Arial Black" panose="020B0A04020102020204" pitchFamily="34" charset="0"/>
+                          <a:latin typeface="Arial Black"/>
                         </a:rPr>
-                        <a:t>9am</a:t>
+                        <a:t>2-3pm</a:t>
                       </a:r>
-                      <a:r>
-                        <a:rPr lang="en-AU" baseline="0" dirty="0" smtClean="0">
-                          <a:solidFill>
-                            <a:schemeClr val="bg1"/>
-                          </a:solidFill>
-                          <a:latin typeface="Arial Black" panose="020B0A04020102020204" pitchFamily="34" charset="0"/>
-                        </a:rPr>
-                        <a:t> – 10am</a:t>
-                      </a:r>
-                      <a:endParaRPr lang="en-AU" dirty="0">
-                        <a:solidFill>
-                          <a:schemeClr val="bg1"/>
-                        </a:solidFill>
-                        <a:latin typeface="Arial Black" panose="020B0A04020102020204" pitchFamily="34" charset="0"/>
-                      </a:endParaRPr>
+                      <a:endParaRPr lang="en-US" dirty="0"/>
                     </a:p>
                   </a:txBody>
                   <a:tcPr anchor="ctr">
@@ -3259,15 +3242,17 @@
                     <a:bodyPr/>
                     <a:lstStyle/>
                     <a:p>
-                      <a:pPr algn="ctr"/>
+                      <a:pPr lvl="0" algn="ctr">
+                        <a:buNone/>
+                      </a:pPr>
                       <a:r>
-                        <a:rPr lang="en-AU" dirty="0" smtClean="0">
+                        <a:rPr lang="en-AU" dirty="0">
                           <a:solidFill>
                             <a:schemeClr val="bg1"/>
                           </a:solidFill>
-                          <a:latin typeface="Arial Black" panose="020B0A04020102020204" pitchFamily="34" charset="0"/>
+                          <a:latin typeface="Arial Black"/>
                         </a:rPr>
-                        <a:t>TBA</a:t>
+                        <a:t>ES238</a:t>
                       </a:r>
                       <a:endParaRPr lang="en-AU" dirty="0">
                         <a:solidFill>
@@ -3292,28 +3277,25 @@
                   </a:ext>
                 </a:extLst>
               </a:tr>
-              <a:tr h="804106">
+              <a:tr h="645664">
                 <a:tc>
                   <a:txBody>
                     <a:bodyPr/>
                     <a:lstStyle/>
                     <a:p>
-                      <a:pPr algn="ctr"/>
+                      <a:pPr lvl="0" algn="ctr">
+                        <a:buNone/>
+                      </a:pPr>
                       <a:r>
-                        <a:rPr lang="en-AU" dirty="0" smtClean="0">
+                        <a:rPr lang="en-AU" dirty="0">
                           <a:solidFill>
                             <a:schemeClr val="bg1"/>
                           </a:solidFill>
-                          <a:latin typeface="Arial Black" panose="020B0A04020102020204" pitchFamily="34" charset="0"/>
+                          <a:latin typeface="Arial Black"/>
                         </a:rPr>
-                        <a:t>TUESDAY</a:t>
+                        <a:t>Wednesday</a:t>
                       </a:r>
-                      <a:endParaRPr lang="en-AU" dirty="0">
-                        <a:solidFill>
-                          <a:schemeClr val="bg1"/>
-                        </a:solidFill>
-                        <a:latin typeface="Arial Black" panose="020B0A04020102020204" pitchFamily="34" charset="0"/>
-                      </a:endParaRPr>
+                      <a:endParaRPr lang="en-US" dirty="0"/>
                     </a:p>
                   </a:txBody>
                   <a:tcPr anchor="ctr">
@@ -3330,31 +3312,18 @@
                     <a:bodyPr/>
                     <a:lstStyle/>
                     <a:p>
-                      <a:pPr algn="ctr"/>
+                      <a:pPr lvl="0" algn="ctr">
+                        <a:buNone/>
+                      </a:pPr>
                       <a:r>
-                        <a:rPr lang="en-AU" dirty="0" smtClean="0">
+                        <a:rPr lang="en-AU" dirty="0">
                           <a:solidFill>
                             <a:schemeClr val="bg1"/>
                           </a:solidFill>
-                          <a:latin typeface="Arial Black" panose="020B0A04020102020204" pitchFamily="34" charset="0"/>
+                          <a:latin typeface="Arial Black"/>
                         </a:rPr>
-                        <a:t>10am</a:t>
+                        <a:t>12-1pm</a:t>
                       </a:r>
-                      <a:r>
-                        <a:rPr lang="en-AU" baseline="0" dirty="0" smtClean="0">
-                          <a:solidFill>
-                            <a:schemeClr val="bg1"/>
-                          </a:solidFill>
-                          <a:latin typeface="Arial Black" panose="020B0A04020102020204" pitchFamily="34" charset="0"/>
-                        </a:rPr>
-                        <a:t> – 11am</a:t>
-                      </a:r>
-                      <a:endParaRPr lang="en-AU" dirty="0">
-                        <a:solidFill>
-                          <a:schemeClr val="bg1"/>
-                        </a:solidFill>
-                        <a:latin typeface="Arial Black" panose="020B0A04020102020204" pitchFamily="34" charset="0"/>
-                      </a:endParaRPr>
                     </a:p>
                   </a:txBody>
                   <a:tcPr anchor="ctr">
@@ -3371,15 +3340,17 @@
                     <a:bodyPr/>
                     <a:lstStyle/>
                     <a:p>
-                      <a:pPr algn="ctr"/>
+                      <a:pPr lvl="0" algn="ctr">
+                        <a:buNone/>
+                      </a:pPr>
                       <a:r>
-                        <a:rPr lang="en-AU" dirty="0" smtClean="0">
+                        <a:rPr lang="en-AU" dirty="0">
                           <a:solidFill>
                             <a:schemeClr val="bg1"/>
                           </a:solidFill>
-                          <a:latin typeface="Arial Black" panose="020B0A04020102020204" pitchFamily="34" charset="0"/>
+                          <a:latin typeface="Arial Black"/>
                         </a:rPr>
-                        <a:t>TBA</a:t>
+                        <a:t>ES238</a:t>
                       </a:r>
                       <a:endParaRPr lang="en-AU" dirty="0">
                         <a:solidFill>
@@ -3404,6 +3375,97 @@
                   </a:ext>
                 </a:extLst>
               </a:tr>
+              <a:tr h="619488">
+                <a:tc>
+                  <a:txBody>
+                    <a:bodyPr/>
+                    <a:lstStyle/>
+                    <a:p>
+                      <a:pPr lvl="0" algn="ctr">
+                        <a:buNone/>
+                      </a:pPr>
+                      <a:r>
+                        <a:rPr lang="en-AU" dirty="0">
+                          <a:solidFill>
+                            <a:schemeClr val="bg1"/>
+                          </a:solidFill>
+                          <a:latin typeface="Arial Black"/>
+                        </a:rPr>
+                        <a:t>Thursday</a:t>
+                      </a:r>
+                    </a:p>
+                  </a:txBody>
+                  <a:tcPr anchor="ctr">
+                    <a:solidFill>
+                      <a:schemeClr val="tx1">
+                        <a:lumMod val="85000"/>
+                        <a:lumOff val="15000"/>
+                      </a:schemeClr>
+                    </a:solidFill>
+                  </a:tcPr>
+                </a:tc>
+                <a:tc>
+                  <a:txBody>
+                    <a:bodyPr/>
+                    <a:lstStyle/>
+                    <a:p>
+                      <a:pPr lvl="0" algn="ctr">
+                        <a:buNone/>
+                      </a:pPr>
+                      <a:r>
+                        <a:rPr lang="en-AU" dirty="0">
+                          <a:solidFill>
+                            <a:schemeClr val="bg1"/>
+                          </a:solidFill>
+                          <a:latin typeface="Arial Black"/>
+                        </a:rPr>
+                        <a:t>10-11am</a:t>
+                      </a:r>
+                    </a:p>
+                  </a:txBody>
+                  <a:tcPr anchor="ctr">
+                    <a:solidFill>
+                      <a:schemeClr val="tx1">
+                        <a:lumMod val="65000"/>
+                        <a:lumOff val="35000"/>
+                      </a:schemeClr>
+                    </a:solidFill>
+                  </a:tcPr>
+                </a:tc>
+                <a:tc>
+                  <a:txBody>
+                    <a:bodyPr/>
+                    <a:lstStyle/>
+                    <a:p>
+                      <a:pPr lvl="0" algn="ctr">
+                        <a:buNone/>
+                      </a:pPr>
+                      <a:r>
+                        <a:rPr lang="en-AU" dirty="0">
+                          <a:solidFill>
+                            <a:schemeClr val="bg1"/>
+                          </a:solidFill>
+                          <a:latin typeface="Arial Black"/>
+                        </a:rPr>
+                        <a:t>MCLG42</a:t>
+                      </a:r>
+                    </a:p>
+                  </a:txBody>
+                  <a:tcPr anchor="ctr">
+                    <a:solidFill>
+                      <a:schemeClr val="tx1">
+                        <a:lumMod val="50000"/>
+                        <a:lumOff val="50000"/>
+                      </a:schemeClr>
+                    </a:solidFill>
+                  </a:tcPr>
+                </a:tc>
+                <a:extLst>
+                  <a:ext uri="{0D108BD9-81ED-4DB2-BD59-A6C34878D82A}">
+                    <a16:rowId xmlns:a16="http://schemas.microsoft.com/office/drawing/2014/main" val="2462903666"/>
+                  </a:ext>
+                </a:extLst>
+              </a:tr>
             </a:tbl>
           </a:graphicData>
         </a:graphic>
@@ -3417,7 +3479,7 @@
         <p:spPr>
           <a:xfrm>
             <a:off x="745523" y="1325158"/>
-            <a:ext cx="6755027" cy="1077218"/>
+            <a:ext cx="6903355" cy="1077218"/>
           </a:xfrm>
           <a:prstGeom prst="rect">
             <a:avLst/>
@@ -3425,13 +3487,13 @@
           <a:noFill/>
         </p:spPr>
         <p:txBody>
-          <a:bodyPr wrap="square" rtlCol="0">
+          <a:bodyPr wrap="square" rtlCol="0" anchor="t">
             <a:spAutoFit/>
           </a:bodyPr>
           <a:lstStyle/>
           <a:p>
             <a:r>
-              <a:rPr lang="en-AU" sz="3200" dirty="0" smtClean="0">
+              <a:rPr lang="en-AU" sz="3200" dirty="0">
                 <a:solidFill>
                   <a:schemeClr val="tx1">
                     <a:lumMod val="85000"/>
@@ -3445,26 +3507,29 @@
           </a:p>
           <a:p>
             <a:r>
-              <a:rPr lang="en-AU" sz="3200" dirty="0" smtClean="0">
+              <a:rPr lang="en-AU" sz="3200" dirty="0">
                 <a:solidFill>
                   <a:schemeClr val="tx1">
                     <a:lumMod val="85000"/>
                     <a:lumOff val="15000"/>
                   </a:schemeClr>
                 </a:solidFill>
-                <a:latin typeface="Arial Black" panose="020B0A04020102020204" pitchFamily="34" charset="0"/>
+                <a:latin typeface="Arial Black"/>
               </a:rPr>
-              <a:t>MATH1100 is Jane Doe</a:t>
-            </a:r>
-            <a:endParaRPr lang="en-AU" sz="3200" dirty="0">
-              <a:solidFill>
-                <a:schemeClr val="tx1">
-                  <a:lumMod val="85000"/>
-                  <a:lumOff val="15000"/>
-                </a:schemeClr>
-              </a:solidFill>
-              <a:latin typeface="Arial Black" panose="020B0A04020102020204" pitchFamily="34" charset="0"/>
-            </a:endParaRPr>
+              <a:t>ENGG1003 is Mitchell </a:t>
+            </a:r>
+            <a:r>
+              <a:rPr lang="en-AU" sz="3200" dirty="0" err="1">
+                <a:solidFill>
+                  <a:schemeClr val="tx1">
+                    <a:lumMod val="85000"/>
+                    <a:lumOff val="15000"/>
+                  </a:schemeClr>
+                </a:solidFill>
+                <a:latin typeface="Arial Black"/>
+              </a:rPr>
+              <a:t>Deltoer</a:t>
+            </a:r>
           </a:p>
         </p:txBody>
       </p:sp>
@@ -3588,6 +3653,49 @@
           </a:prstGeom>
         </p:spPr>
       </p:pic>
+      <p:sp>
+        <p:nvSpPr>
+          <p:cNvPr id="2" name="TextBox 1">
+            <a:extLst>
+              <a:ext uri="{FF2B5EF4-FFF2-40B4-BE49-F238E27FC236}">
+                <a16:creationId xmlns:a16="http://schemas.microsoft.com/office/drawing/2014/main" id="{2380131F-7F82-4005-8269-853582E8F832}"/>
+              </a:ext>
+            </a:extLst>
+          </p:cNvPr>
+          <p:cNvSpPr txBox="1"/>
+          <p:nvPr/>
+        </p:nvSpPr>
+        <p:spPr>
+          <a:xfrm>
+            <a:off x="661369" y="4901812"/>
+            <a:ext cx="5343306" cy="584775"/>
+          </a:xfrm>
+          <a:prstGeom prst="rect">
+            <a:avLst/>
+          </a:prstGeom>
+        </p:spPr>
+        <p:txBody>
+          <a:bodyPr rot="0" spcFirstLastPara="0" vertOverflow="overflow" horzOverflow="overflow" vert="horz" wrap="square" lIns="91440" tIns="45720" rIns="91440" bIns="45720" numCol="1" spcCol="0" rtlCol="0" fromWordArt="0" anchor="t" anchorCtr="0" forceAA="0" compatLnSpc="1">
+            <a:prstTxWarp prst="textNoShape">
+              <a:avLst/>
+            </a:prstTxWarp>
+            <a:spAutoFit/>
+          </a:bodyPr>
+          <a:lstStyle/>
+          <a:p>
+            <a:r>
+              <a:rPr lang="en-US" sz="3200" dirty="0">
+                <a:latin typeface="Arial Black"/>
+              </a:rPr>
+              <a:t>Laptops recommended</a:t>
+            </a:r>
+            <a:endParaRPr lang="en-US" sz="3200" dirty="0">
+              <a:latin typeface="Arial Black"/>
+              <a:cs typeface="Calibri"/>
+            </a:endParaRPr>
+          </a:p>
+        </p:txBody>
+      </p:sp>
     </p:spTree>
     <p:extLst>
       <p:ext uri="{BB962C8B-B14F-4D97-AF65-F5344CB8AC3E}">
@@ -3598,13 +3706,6 @@
   <p:clrMapOvr>
     <a:masterClrMapping/>
   </p:clrMapOvr>
-  <p:timing>
-    <p:tnLst>
-      <p:par>
-        <p:cTn id="1" dur="indefinite" restart="never" nodeType="tmRoot"/>
-      </p:par>
-    </p:tnLst>
-  </p:timing>
 </p:sld>
 </file>
 
@@ -3720,50 +3821,11 @@
               </a:lnSpc>
             </a:pPr>
             <a:r>
-              <a:rPr lang="en-US" sz="2400" dirty="0" smtClean="0">
+              <a:rPr lang="en-US" sz="2400" dirty="0">
                 <a:latin typeface="Arial Black"/>
                 <a:cs typeface="Arial Black"/>
               </a:rPr>
               <a:t>Online PASS</a:t>
-            </a:r>
-          </a:p>
-          <a:p>
-            <a:pPr>
-              <a:lnSpc>
-                <a:spcPct val="120000"/>
-              </a:lnSpc>
-            </a:pPr>
-            <a:endParaRPr lang="en-US" dirty="0" smtClean="0">
-              <a:latin typeface="Arial"/>
-              <a:cs typeface="Arial"/>
-            </a:endParaRPr>
-          </a:p>
-          <a:p>
-            <a:pPr>
-              <a:lnSpc>
-                <a:spcPct val="120000"/>
-              </a:lnSpc>
-            </a:pPr>
-            <a:r>
-              <a:rPr lang="en-US" dirty="0" smtClean="0">
-                <a:latin typeface="Arial"/>
-                <a:cs typeface="Arial"/>
-              </a:rPr>
-              <a:t>The </a:t>
-            </a:r>
-            <a:r>
-              <a:rPr lang="en-US" dirty="0">
-                <a:latin typeface="Arial"/>
-                <a:cs typeface="Arial"/>
-              </a:rPr>
-              <a:t>Online PASS pages have been put together by PASS leaders who have studied and excelled in your course </a:t>
-            </a:r>
-            <a:r>
-              <a:rPr lang="en-US" dirty="0" smtClean="0">
-                <a:latin typeface="Arial"/>
-                <a:cs typeface="Arial"/>
-              </a:rPr>
-              <a:t>before.</a:t>
             </a:r>
           </a:p>
           <a:p>
@@ -3784,60 +3846,11 @@
               </a:lnSpc>
             </a:pPr>
             <a:r>
-              <a:rPr lang="en-US" dirty="0" smtClean="0">
-                <a:latin typeface="Arial"/>
-                <a:cs typeface="Arial"/>
-              </a:rPr>
-              <a:t>You </a:t>
-            </a:r>
-            <a:r>
               <a:rPr lang="en-US" dirty="0">
                 <a:latin typeface="Arial"/>
                 <a:cs typeface="Arial"/>
               </a:rPr>
-              <a:t>will have access </a:t>
-            </a:r>
-            <a:r>
-              <a:rPr lang="en-US">
-                <a:latin typeface="Arial"/>
-                <a:cs typeface="Arial"/>
-              </a:rPr>
-              <a:t>to </a:t>
-            </a:r>
-            <a:r>
-              <a:rPr lang="en-US" smtClean="0">
-                <a:latin typeface="Arial"/>
-                <a:cs typeface="Arial"/>
-              </a:rPr>
-              <a:t>weekly tips </a:t>
-            </a:r>
-            <a:r>
-              <a:rPr lang="en-US" dirty="0">
-                <a:latin typeface="Arial"/>
-                <a:cs typeface="Arial"/>
-              </a:rPr>
-              <a:t>and activities provided by the PASS leader and </a:t>
-            </a:r>
-            <a:r>
-              <a:rPr lang="en-US" dirty="0" smtClean="0">
-                <a:latin typeface="Arial"/>
-                <a:cs typeface="Arial"/>
-              </a:rPr>
-              <a:t>a discussion </a:t>
-            </a:r>
-            <a:r>
-              <a:rPr lang="en-US" dirty="0">
-                <a:latin typeface="Arial"/>
-                <a:cs typeface="Arial"/>
-              </a:rPr>
-              <a:t>board where you can chat with other students</a:t>
-            </a:r>
-            <a:r>
-              <a:rPr lang="en-US" dirty="0" smtClean="0">
-                <a:latin typeface="Arial"/>
-                <a:cs typeface="Arial"/>
-              </a:rPr>
-              <a:t>.</a:t>
+              <a:t>The Online PASS pages have been put together by PASS leaders who have studied and excelled in your course before.</a:t>
             </a:r>
           </a:p>
           <a:p>
@@ -3858,14 +3871,53 @@
               </a:lnSpc>
             </a:pPr>
             <a:r>
-              <a:rPr lang="en-US" dirty="0" smtClean="0">
+              <a:rPr lang="en-US" dirty="0">
+                <a:latin typeface="Arial"/>
+                <a:cs typeface="Arial"/>
+              </a:rPr>
+              <a:t>You will have access </a:t>
+            </a:r>
+            <a:r>
+              <a:rPr lang="en-US">
+                <a:latin typeface="Arial"/>
+                <a:cs typeface="Arial"/>
+              </a:rPr>
+              <a:t>to weekly tips </a:t>
+            </a:r>
+            <a:r>
+              <a:rPr lang="en-US" dirty="0">
+                <a:latin typeface="Arial"/>
+                <a:cs typeface="Arial"/>
+              </a:rPr>
+              <a:t>and activities provided by the PASS leader and a discussion board where you can chat with other students.</a:t>
+            </a:r>
+          </a:p>
+          <a:p>
+            <a:pPr>
+              <a:lnSpc>
+                <a:spcPct val="120000"/>
+              </a:lnSpc>
+            </a:pPr>
+            <a:endParaRPr lang="en-US" dirty="0">
+              <a:latin typeface="Arial"/>
+              <a:cs typeface="Arial"/>
+            </a:endParaRPr>
+          </a:p>
+          <a:p>
+            <a:pPr>
+              <a:lnSpc>
+                <a:spcPct val="120000"/>
+              </a:lnSpc>
+            </a:pPr>
+            <a:r>
+              <a:rPr lang="en-US" dirty="0">
                 <a:latin typeface="Arial"/>
                 <a:cs typeface="Arial"/>
                 <a:hlinkClick r:id="rId4"/>
               </a:rPr>
               <a:t>How to access Online PASS video tutorial</a:t>
             </a:r>
-            <a:endParaRPr lang="en-US" dirty="0" smtClean="0">
+            <a:endParaRPr lang="en-US" dirty="0">
               <a:latin typeface="Arial"/>
               <a:cs typeface="Arial"/>
             </a:endParaRPr>
@@ -3983,13 +4035,6 @@
   <p:clrMapOvr>
     <a:masterClrMapping/>
   </p:clrMapOvr>
-  <p:timing>
-    <p:tnLst>
-      <p:par>
-        <p:cTn id="1" dur="indefinite" restart="never" nodeType="tmRoot"/>
-      </p:par>
-    </p:tnLst>
-  </p:timing>
 </p:sld>
 </file>
 
